--- a/other/documents/QAPP/DRAFT Figure 5 Data Management Flowchart.pptx
+++ b/other/documents/QAPP/DRAFT Figure 5 Data Management Flowchart.pptx
@@ -155,7 +155,7 @@
           </a:lstStyle>
           <a:p>
             <a:r>
-              <a:rPr lang="en-US" smtClean="0"/>
+              <a:rPr lang="en-US"/>
               <a:t>Click to edit Master title style</a:t>
             </a:r>
             <a:endParaRPr lang="en-US" dirty="0"/>
@@ -220,7 +220,7 @@
           </a:lstStyle>
           <a:p>
             <a:r>
-              <a:rPr lang="en-US" smtClean="0"/>
+              <a:rPr lang="en-US"/>
               <a:t>Click to edit Master subtitle style</a:t>
             </a:r>
             <a:endParaRPr lang="en-US" dirty="0"/>
@@ -244,7 +244,7 @@
           <a:p>
             <a:fld id="{9246DC00-BA13-4AF0-8D8A-FF497779F98C}" type="datetimeFigureOut">
               <a:rPr lang="en-US" smtClean="0"/>
-              <a:t>5/26/2022</a:t>
+              <a:t>11/1/2022</a:t>
             </a:fld>
             <a:endParaRPr lang="en-US"/>
           </a:p>
@@ -338,7 +338,7 @@
           <a:lstStyle/>
           <a:p>
             <a:r>
-              <a:rPr lang="en-US" smtClean="0"/>
+              <a:rPr lang="en-US"/>
               <a:t>Click to edit Master title style</a:t>
             </a:r>
             <a:endParaRPr lang="en-US" dirty="0"/>
@@ -362,35 +362,35 @@
           <a:p>
             <a:pPr lvl="0"/>
             <a:r>
-              <a:rPr lang="en-US" smtClean="0"/>
+              <a:rPr lang="en-US"/>
               <a:t>Edit Master text styles</a:t>
             </a:r>
           </a:p>
           <a:p>
             <a:pPr lvl="1"/>
             <a:r>
-              <a:rPr lang="en-US" smtClean="0"/>
+              <a:rPr lang="en-US"/>
               <a:t>Second level</a:t>
             </a:r>
           </a:p>
           <a:p>
             <a:pPr lvl="2"/>
             <a:r>
-              <a:rPr lang="en-US" smtClean="0"/>
+              <a:rPr lang="en-US"/>
               <a:t>Third level</a:t>
             </a:r>
           </a:p>
           <a:p>
             <a:pPr lvl="3"/>
             <a:r>
-              <a:rPr lang="en-US" smtClean="0"/>
+              <a:rPr lang="en-US"/>
               <a:t>Fourth level</a:t>
             </a:r>
           </a:p>
           <a:p>
             <a:pPr lvl="4"/>
             <a:r>
-              <a:rPr lang="en-US" smtClean="0"/>
+              <a:rPr lang="en-US"/>
               <a:t>Fifth level</a:t>
             </a:r>
             <a:endParaRPr lang="en-US" dirty="0"/>
@@ -414,7 +414,7 @@
           <a:p>
             <a:fld id="{9246DC00-BA13-4AF0-8D8A-FF497779F98C}" type="datetimeFigureOut">
               <a:rPr lang="en-US" smtClean="0"/>
-              <a:t>5/26/2022</a:t>
+              <a:t>11/1/2022</a:t>
             </a:fld>
             <a:endParaRPr lang="en-US"/>
           </a:p>
@@ -513,7 +513,7 @@
           <a:lstStyle/>
           <a:p>
             <a:r>
-              <a:rPr lang="en-US" smtClean="0"/>
+              <a:rPr lang="en-US"/>
               <a:t>Click to edit Master title style</a:t>
             </a:r>
             <a:endParaRPr lang="en-US" dirty="0"/>
@@ -542,35 +542,35 @@
           <a:p>
             <a:pPr lvl="0"/>
             <a:r>
-              <a:rPr lang="en-US" smtClean="0"/>
+              <a:rPr lang="en-US"/>
               <a:t>Edit Master text styles</a:t>
             </a:r>
           </a:p>
           <a:p>
             <a:pPr lvl="1"/>
             <a:r>
-              <a:rPr lang="en-US" smtClean="0"/>
+              <a:rPr lang="en-US"/>
               <a:t>Second level</a:t>
             </a:r>
           </a:p>
           <a:p>
             <a:pPr lvl="2"/>
             <a:r>
-              <a:rPr lang="en-US" smtClean="0"/>
+              <a:rPr lang="en-US"/>
               <a:t>Third level</a:t>
             </a:r>
           </a:p>
           <a:p>
             <a:pPr lvl="3"/>
             <a:r>
-              <a:rPr lang="en-US" smtClean="0"/>
+              <a:rPr lang="en-US"/>
               <a:t>Fourth level</a:t>
             </a:r>
           </a:p>
           <a:p>
             <a:pPr lvl="4"/>
             <a:r>
-              <a:rPr lang="en-US" smtClean="0"/>
+              <a:rPr lang="en-US"/>
               <a:t>Fifth level</a:t>
             </a:r>
             <a:endParaRPr lang="en-US" dirty="0"/>
@@ -594,7 +594,7 @@
           <a:p>
             <a:fld id="{9246DC00-BA13-4AF0-8D8A-FF497779F98C}" type="datetimeFigureOut">
               <a:rPr lang="en-US" smtClean="0"/>
-              <a:t>5/26/2022</a:t>
+              <a:t>11/1/2022</a:t>
             </a:fld>
             <a:endParaRPr lang="en-US"/>
           </a:p>
@@ -688,7 +688,7 @@
           <a:lstStyle/>
           <a:p>
             <a:r>
-              <a:rPr lang="en-US" smtClean="0"/>
+              <a:rPr lang="en-US"/>
               <a:t>Click to edit Master title style</a:t>
             </a:r>
             <a:endParaRPr lang="en-US" dirty="0"/>
@@ -712,35 +712,35 @@
           <a:p>
             <a:pPr lvl="0"/>
             <a:r>
-              <a:rPr lang="en-US" smtClean="0"/>
+              <a:rPr lang="en-US"/>
               <a:t>Edit Master text styles</a:t>
             </a:r>
           </a:p>
           <a:p>
             <a:pPr lvl="1"/>
             <a:r>
-              <a:rPr lang="en-US" smtClean="0"/>
+              <a:rPr lang="en-US"/>
               <a:t>Second level</a:t>
             </a:r>
           </a:p>
           <a:p>
             <a:pPr lvl="2"/>
             <a:r>
-              <a:rPr lang="en-US" smtClean="0"/>
+              <a:rPr lang="en-US"/>
               <a:t>Third level</a:t>
             </a:r>
           </a:p>
           <a:p>
             <a:pPr lvl="3"/>
             <a:r>
-              <a:rPr lang="en-US" smtClean="0"/>
+              <a:rPr lang="en-US"/>
               <a:t>Fourth level</a:t>
             </a:r>
           </a:p>
           <a:p>
             <a:pPr lvl="4"/>
             <a:r>
-              <a:rPr lang="en-US" smtClean="0"/>
+              <a:rPr lang="en-US"/>
               <a:t>Fifth level</a:t>
             </a:r>
             <a:endParaRPr lang="en-US" dirty="0"/>
@@ -764,7 +764,7 @@
           <a:p>
             <a:fld id="{9246DC00-BA13-4AF0-8D8A-FF497779F98C}" type="datetimeFigureOut">
               <a:rPr lang="en-US" smtClean="0"/>
-              <a:t>5/26/2022</a:t>
+              <a:t>11/1/2022</a:t>
             </a:fld>
             <a:endParaRPr lang="en-US"/>
           </a:p>
@@ -867,7 +867,7 @@
           </a:lstStyle>
           <a:p>
             <a:r>
-              <a:rPr lang="en-US" smtClean="0"/>
+              <a:rPr lang="en-US"/>
               <a:t>Click to edit Master title style</a:t>
             </a:r>
             <a:endParaRPr lang="en-US" dirty="0"/>
@@ -985,7 +985,7 @@
           <a:p>
             <a:pPr lvl="0"/>
             <a:r>
-              <a:rPr lang="en-US" smtClean="0"/>
+              <a:rPr lang="en-US"/>
               <a:t>Edit Master text styles</a:t>
             </a:r>
           </a:p>
@@ -1008,7 +1008,7 @@
           <a:p>
             <a:fld id="{9246DC00-BA13-4AF0-8D8A-FF497779F98C}" type="datetimeFigureOut">
               <a:rPr lang="en-US" smtClean="0"/>
-              <a:t>5/26/2022</a:t>
+              <a:t>11/1/2022</a:t>
             </a:fld>
             <a:endParaRPr lang="en-US"/>
           </a:p>
@@ -1102,7 +1102,7 @@
           <a:lstStyle/>
           <a:p>
             <a:r>
-              <a:rPr lang="en-US" smtClean="0"/>
+              <a:rPr lang="en-US"/>
               <a:t>Click to edit Master title style</a:t>
             </a:r>
             <a:endParaRPr lang="en-US" dirty="0"/>
@@ -1131,35 +1131,35 @@
           <a:p>
             <a:pPr lvl="0"/>
             <a:r>
-              <a:rPr lang="en-US" smtClean="0"/>
+              <a:rPr lang="en-US"/>
               <a:t>Edit Master text styles</a:t>
             </a:r>
           </a:p>
           <a:p>
             <a:pPr lvl="1"/>
             <a:r>
-              <a:rPr lang="en-US" smtClean="0"/>
+              <a:rPr lang="en-US"/>
               <a:t>Second level</a:t>
             </a:r>
           </a:p>
           <a:p>
             <a:pPr lvl="2"/>
             <a:r>
-              <a:rPr lang="en-US" smtClean="0"/>
+              <a:rPr lang="en-US"/>
               <a:t>Third level</a:t>
             </a:r>
           </a:p>
           <a:p>
             <a:pPr lvl="3"/>
             <a:r>
-              <a:rPr lang="en-US" smtClean="0"/>
+              <a:rPr lang="en-US"/>
               <a:t>Fourth level</a:t>
             </a:r>
           </a:p>
           <a:p>
             <a:pPr lvl="4"/>
             <a:r>
-              <a:rPr lang="en-US" smtClean="0"/>
+              <a:rPr lang="en-US"/>
               <a:t>Fifth level</a:t>
             </a:r>
             <a:endParaRPr lang="en-US" dirty="0"/>
@@ -1188,35 +1188,35 @@
           <a:p>
             <a:pPr lvl="0"/>
             <a:r>
-              <a:rPr lang="en-US" smtClean="0"/>
+              <a:rPr lang="en-US"/>
               <a:t>Edit Master text styles</a:t>
             </a:r>
           </a:p>
           <a:p>
             <a:pPr lvl="1"/>
             <a:r>
-              <a:rPr lang="en-US" smtClean="0"/>
+              <a:rPr lang="en-US"/>
               <a:t>Second level</a:t>
             </a:r>
           </a:p>
           <a:p>
             <a:pPr lvl="2"/>
             <a:r>
-              <a:rPr lang="en-US" smtClean="0"/>
+              <a:rPr lang="en-US"/>
               <a:t>Third level</a:t>
             </a:r>
           </a:p>
           <a:p>
             <a:pPr lvl="3"/>
             <a:r>
-              <a:rPr lang="en-US" smtClean="0"/>
+              <a:rPr lang="en-US"/>
               <a:t>Fourth level</a:t>
             </a:r>
           </a:p>
           <a:p>
             <a:pPr lvl="4"/>
             <a:r>
-              <a:rPr lang="en-US" smtClean="0"/>
+              <a:rPr lang="en-US"/>
               <a:t>Fifth level</a:t>
             </a:r>
             <a:endParaRPr lang="en-US" dirty="0"/>
@@ -1240,7 +1240,7 @@
           <a:p>
             <a:fld id="{9246DC00-BA13-4AF0-8D8A-FF497779F98C}" type="datetimeFigureOut">
               <a:rPr lang="en-US" smtClean="0"/>
-              <a:t>5/26/2022</a:t>
+              <a:t>11/1/2022</a:t>
             </a:fld>
             <a:endParaRPr lang="en-US"/>
           </a:p>
@@ -1339,7 +1339,7 @@
           <a:lstStyle/>
           <a:p>
             <a:r>
-              <a:rPr lang="en-US" smtClean="0"/>
+              <a:rPr lang="en-US"/>
               <a:t>Click to edit Master title style</a:t>
             </a:r>
             <a:endParaRPr lang="en-US" dirty="0"/>
@@ -1405,7 +1405,7 @@
           <a:p>
             <a:pPr lvl="0"/>
             <a:r>
-              <a:rPr lang="en-US" smtClean="0"/>
+              <a:rPr lang="en-US"/>
               <a:t>Edit Master text styles</a:t>
             </a:r>
           </a:p>
@@ -1433,35 +1433,35 @@
           <a:p>
             <a:pPr lvl="0"/>
             <a:r>
-              <a:rPr lang="en-US" smtClean="0"/>
+              <a:rPr lang="en-US"/>
               <a:t>Edit Master text styles</a:t>
             </a:r>
           </a:p>
           <a:p>
             <a:pPr lvl="1"/>
             <a:r>
-              <a:rPr lang="en-US" smtClean="0"/>
+              <a:rPr lang="en-US"/>
               <a:t>Second level</a:t>
             </a:r>
           </a:p>
           <a:p>
             <a:pPr lvl="2"/>
             <a:r>
-              <a:rPr lang="en-US" smtClean="0"/>
+              <a:rPr lang="en-US"/>
               <a:t>Third level</a:t>
             </a:r>
           </a:p>
           <a:p>
             <a:pPr lvl="3"/>
             <a:r>
-              <a:rPr lang="en-US" smtClean="0"/>
+              <a:rPr lang="en-US"/>
               <a:t>Fourth level</a:t>
             </a:r>
           </a:p>
           <a:p>
             <a:pPr lvl="4"/>
             <a:r>
-              <a:rPr lang="en-US" smtClean="0"/>
+              <a:rPr lang="en-US"/>
               <a:t>Fifth level</a:t>
             </a:r>
             <a:endParaRPr lang="en-US" dirty="0"/>
@@ -1527,7 +1527,7 @@
           <a:p>
             <a:pPr lvl="0"/>
             <a:r>
-              <a:rPr lang="en-US" smtClean="0"/>
+              <a:rPr lang="en-US"/>
               <a:t>Edit Master text styles</a:t>
             </a:r>
           </a:p>
@@ -1555,35 +1555,35 @@
           <a:p>
             <a:pPr lvl="0"/>
             <a:r>
-              <a:rPr lang="en-US" smtClean="0"/>
+              <a:rPr lang="en-US"/>
               <a:t>Edit Master text styles</a:t>
             </a:r>
           </a:p>
           <a:p>
             <a:pPr lvl="1"/>
             <a:r>
-              <a:rPr lang="en-US" smtClean="0"/>
+              <a:rPr lang="en-US"/>
               <a:t>Second level</a:t>
             </a:r>
           </a:p>
           <a:p>
             <a:pPr lvl="2"/>
             <a:r>
-              <a:rPr lang="en-US" smtClean="0"/>
+              <a:rPr lang="en-US"/>
               <a:t>Third level</a:t>
             </a:r>
           </a:p>
           <a:p>
             <a:pPr lvl="3"/>
             <a:r>
-              <a:rPr lang="en-US" smtClean="0"/>
+              <a:rPr lang="en-US"/>
               <a:t>Fourth level</a:t>
             </a:r>
           </a:p>
           <a:p>
             <a:pPr lvl="4"/>
             <a:r>
-              <a:rPr lang="en-US" smtClean="0"/>
+              <a:rPr lang="en-US"/>
               <a:t>Fifth level</a:t>
             </a:r>
             <a:endParaRPr lang="en-US" dirty="0"/>
@@ -1607,7 +1607,7 @@
           <a:p>
             <a:fld id="{9246DC00-BA13-4AF0-8D8A-FF497779F98C}" type="datetimeFigureOut">
               <a:rPr lang="en-US" smtClean="0"/>
-              <a:t>5/26/2022</a:t>
+              <a:t>11/1/2022</a:t>
             </a:fld>
             <a:endParaRPr lang="en-US"/>
           </a:p>
@@ -1701,7 +1701,7 @@
           <a:lstStyle/>
           <a:p>
             <a:r>
-              <a:rPr lang="en-US" smtClean="0"/>
+              <a:rPr lang="en-US"/>
               <a:t>Click to edit Master title style</a:t>
             </a:r>
             <a:endParaRPr lang="en-US" dirty="0"/>
@@ -1725,7 +1725,7 @@
           <a:p>
             <a:fld id="{9246DC00-BA13-4AF0-8D8A-FF497779F98C}" type="datetimeFigureOut">
               <a:rPr lang="en-US" smtClean="0"/>
-              <a:t>5/26/2022</a:t>
+              <a:t>11/1/2022</a:t>
             </a:fld>
             <a:endParaRPr lang="en-US"/>
           </a:p>
@@ -1820,7 +1820,7 @@
           <a:p>
             <a:fld id="{9246DC00-BA13-4AF0-8D8A-FF497779F98C}" type="datetimeFigureOut">
               <a:rPr lang="en-US" smtClean="0"/>
-              <a:t>5/26/2022</a:t>
+              <a:t>11/1/2022</a:t>
             </a:fld>
             <a:endParaRPr lang="en-US"/>
           </a:p>
@@ -1923,7 +1923,7 @@
           </a:lstStyle>
           <a:p>
             <a:r>
-              <a:rPr lang="en-US" smtClean="0"/>
+              <a:rPr lang="en-US"/>
               <a:t>Click to edit Master title style</a:t>
             </a:r>
             <a:endParaRPr lang="en-US" dirty="0"/>
@@ -1980,35 +1980,35 @@
           <a:p>
             <a:pPr lvl="0"/>
             <a:r>
-              <a:rPr lang="en-US" smtClean="0"/>
+              <a:rPr lang="en-US"/>
               <a:t>Edit Master text styles</a:t>
             </a:r>
           </a:p>
           <a:p>
             <a:pPr lvl="1"/>
             <a:r>
-              <a:rPr lang="en-US" smtClean="0"/>
+              <a:rPr lang="en-US"/>
               <a:t>Second level</a:t>
             </a:r>
           </a:p>
           <a:p>
             <a:pPr lvl="2"/>
             <a:r>
-              <a:rPr lang="en-US" smtClean="0"/>
+              <a:rPr lang="en-US"/>
               <a:t>Third level</a:t>
             </a:r>
           </a:p>
           <a:p>
             <a:pPr lvl="3"/>
             <a:r>
-              <a:rPr lang="en-US" smtClean="0"/>
+              <a:rPr lang="en-US"/>
               <a:t>Fourth level</a:t>
             </a:r>
           </a:p>
           <a:p>
             <a:pPr lvl="4"/>
             <a:r>
-              <a:rPr lang="en-US" smtClean="0"/>
+              <a:rPr lang="en-US"/>
               <a:t>Fifth level</a:t>
             </a:r>
             <a:endParaRPr lang="en-US" dirty="0"/>
@@ -2074,7 +2074,7 @@
           <a:p>
             <a:pPr lvl="0"/>
             <a:r>
-              <a:rPr lang="en-US" smtClean="0"/>
+              <a:rPr lang="en-US"/>
               <a:t>Edit Master text styles</a:t>
             </a:r>
           </a:p>
@@ -2097,7 +2097,7 @@
           <a:p>
             <a:fld id="{9246DC00-BA13-4AF0-8D8A-FF497779F98C}" type="datetimeFigureOut">
               <a:rPr lang="en-US" smtClean="0"/>
-              <a:t>5/26/2022</a:t>
+              <a:t>11/1/2022</a:t>
             </a:fld>
             <a:endParaRPr lang="en-US"/>
           </a:p>
@@ -2200,7 +2200,7 @@
           </a:lstStyle>
           <a:p>
             <a:r>
-              <a:rPr lang="en-US" smtClean="0"/>
+              <a:rPr lang="en-US"/>
               <a:t>Click to edit Master title style</a:t>
             </a:r>
             <a:endParaRPr lang="en-US" dirty="0"/>
@@ -2265,7 +2265,7 @@
           </a:lstStyle>
           <a:p>
             <a:r>
-              <a:rPr lang="en-US" smtClean="0"/>
+              <a:rPr lang="en-US"/>
               <a:t>Click icon to add picture</a:t>
             </a:r>
             <a:endParaRPr lang="en-US" dirty="0"/>
@@ -2331,7 +2331,7 @@
           <a:p>
             <a:pPr lvl="0"/>
             <a:r>
-              <a:rPr lang="en-US" smtClean="0"/>
+              <a:rPr lang="en-US"/>
               <a:t>Edit Master text styles</a:t>
             </a:r>
           </a:p>
@@ -2354,7 +2354,7 @@
           <a:p>
             <a:fld id="{9246DC00-BA13-4AF0-8D8A-FF497779F98C}" type="datetimeFigureOut">
               <a:rPr lang="en-US" smtClean="0"/>
-              <a:t>5/26/2022</a:t>
+              <a:t>11/1/2022</a:t>
             </a:fld>
             <a:endParaRPr lang="en-US"/>
           </a:p>
@@ -2463,7 +2463,7 @@
           <a:lstStyle/>
           <a:p>
             <a:r>
-              <a:rPr lang="en-US" smtClean="0"/>
+              <a:rPr lang="en-US"/>
               <a:t>Click to edit Master title style</a:t>
             </a:r>
             <a:endParaRPr lang="en-US" dirty="0"/>
@@ -2497,35 +2497,35 @@
           <a:p>
             <a:pPr lvl="0"/>
             <a:r>
-              <a:rPr lang="en-US" smtClean="0"/>
+              <a:rPr lang="en-US"/>
               <a:t>Edit Master text styles</a:t>
             </a:r>
           </a:p>
           <a:p>
             <a:pPr lvl="1"/>
             <a:r>
-              <a:rPr lang="en-US" smtClean="0"/>
+              <a:rPr lang="en-US"/>
               <a:t>Second level</a:t>
             </a:r>
           </a:p>
           <a:p>
             <a:pPr lvl="2"/>
             <a:r>
-              <a:rPr lang="en-US" smtClean="0"/>
+              <a:rPr lang="en-US"/>
               <a:t>Third level</a:t>
             </a:r>
           </a:p>
           <a:p>
             <a:pPr lvl="3"/>
             <a:r>
-              <a:rPr lang="en-US" smtClean="0"/>
+              <a:rPr lang="en-US"/>
               <a:t>Fourth level</a:t>
             </a:r>
           </a:p>
           <a:p>
             <a:pPr lvl="4"/>
             <a:r>
-              <a:rPr lang="en-US" smtClean="0"/>
+              <a:rPr lang="en-US"/>
               <a:t>Fifth level</a:t>
             </a:r>
             <a:endParaRPr lang="en-US" dirty="0"/>
@@ -2567,7 +2567,7 @@
           <a:p>
             <a:fld id="{9246DC00-BA13-4AF0-8D8A-FF497779F98C}" type="datetimeFigureOut">
               <a:rPr lang="en-US" smtClean="0"/>
-              <a:t>5/26/2022</a:t>
+              <a:t>11/1/2022</a:t>
             </a:fld>
             <a:endParaRPr lang="en-US"/>
           </a:p>
@@ -3030,7 +3030,7 @@
         </p:nvSpPr>
         <p:spPr>
           <a:xfrm>
-            <a:off x="338867" y="727788"/>
+            <a:off x="521747" y="727788"/>
             <a:ext cx="7158279" cy="4099974"/>
           </a:xfrm>
           <a:prstGeom prst="rect">
@@ -3095,30 +3095,9 @@
           <a:lstStyle/>
           <a:p>
             <a:r>
-              <a:rPr lang="en-US" dirty="0" smtClean="0"/>
-              <a:t>Figure </a:t>
-            </a:r>
-            <a:r>
-              <a:rPr lang="en-US" dirty="0" smtClean="0"/>
-              <a:t>X. </a:t>
-            </a:r>
-            <a:r>
-              <a:rPr lang="en-US" dirty="0" smtClean="0"/>
-              <a:t>Data </a:t>
-            </a:r>
-            <a:r>
-              <a:rPr lang="en-US" dirty="0" smtClean="0"/>
-              <a:t>Management and Evaluation </a:t>
-            </a:r>
-            <a:r>
-              <a:rPr lang="en-US" dirty="0" smtClean="0"/>
-              <a:t>Flow </a:t>
-            </a:r>
-            <a:r>
-              <a:rPr lang="en-US" dirty="0" smtClean="0"/>
-              <a:t>Chart for non DEC-funded projects</a:t>
-            </a:r>
-            <a:endParaRPr lang="en-US" dirty="0"/>
+              <a:rPr lang="en-US" dirty="0"/>
+              <a:t>Figure X. Data Management and Evaluation Flow Chart for non DEC-funded projects</a:t>
+            </a:r>
           </a:p>
         </p:txBody>
       </p:sp>
@@ -3130,7 +3109,7 @@
         </p:nvSpPr>
         <p:spPr>
           <a:xfrm>
-            <a:off x="699795" y="1887893"/>
+            <a:off x="882675" y="1887893"/>
             <a:ext cx="1847461" cy="307777"/>
           </a:xfrm>
           <a:prstGeom prst="rect">
@@ -3153,10 +3132,9 @@
           <a:p>
             <a:pPr algn="ctr"/>
             <a:r>
-              <a:rPr lang="en-US" sz="1400" dirty="0" smtClean="0"/>
+              <a:rPr lang="en-US" sz="1400" dirty="0"/>
               <a:t>SGS Anchorage</a:t>
             </a:r>
-            <a:endParaRPr lang="en-US" sz="1400" dirty="0"/>
           </a:p>
         </p:txBody>
       </p:sp>
@@ -3168,7 +3146,7 @@
         </p:nvSpPr>
         <p:spPr>
           <a:xfrm>
-            <a:off x="699795" y="2312962"/>
+            <a:off x="882675" y="2312962"/>
             <a:ext cx="1847461" cy="523220"/>
           </a:xfrm>
           <a:prstGeom prst="rect">
@@ -3191,10 +3169,9 @@
           <a:p>
             <a:pPr algn="ctr"/>
             <a:r>
-              <a:rPr lang="en-US" sz="1400" dirty="0" smtClean="0"/>
+              <a:rPr lang="en-US" sz="1400" dirty="0"/>
               <a:t>Soldotna Wastewater Treatment Plant</a:t>
             </a:r>
-            <a:endParaRPr lang="en-US" sz="1400" dirty="0"/>
           </a:p>
         </p:txBody>
       </p:sp>
@@ -3206,7 +3183,7 @@
         </p:nvSpPr>
         <p:spPr>
           <a:xfrm>
-            <a:off x="699794" y="2953474"/>
+            <a:off x="882674" y="2953474"/>
             <a:ext cx="1847461" cy="307777"/>
           </a:xfrm>
           <a:prstGeom prst="rect">
@@ -3229,14 +3206,13 @@
           <a:p>
             <a:pPr algn="ctr"/>
             <a:r>
-              <a:rPr lang="en-US" sz="1400" dirty="0" err="1" smtClean="0"/>
+              <a:rPr lang="en-US" sz="1400" dirty="0" err="1"/>
               <a:t>Taurianen</a:t>
             </a:r>
             <a:r>
-              <a:rPr lang="en-US" sz="1400" dirty="0" smtClean="0"/>
+              <a:rPr lang="en-US" sz="1400" dirty="0"/>
               <a:t> Engineering</a:t>
             </a:r>
-            <a:endParaRPr lang="en-US" sz="1400" dirty="0"/>
           </a:p>
         </p:txBody>
       </p:sp>
@@ -3248,7 +3224,7 @@
         </p:nvSpPr>
         <p:spPr>
           <a:xfrm>
-            <a:off x="4571998" y="3788206"/>
+            <a:off x="4754878" y="3788206"/>
             <a:ext cx="1847461" cy="738664"/>
           </a:xfrm>
           <a:prstGeom prst="rect">
@@ -3271,17 +3247,16 @@
           <a:p>
             <a:pPr algn="ctr"/>
             <a:r>
-              <a:rPr lang="en-US" sz="1400" dirty="0" smtClean="0"/>
+              <a:rPr lang="en-US" sz="1400" dirty="0"/>
               <a:t>Project Manager</a:t>
             </a:r>
           </a:p>
           <a:p>
             <a:pPr algn="ctr"/>
             <a:r>
-              <a:rPr lang="en-US" sz="1400" dirty="0" smtClean="0"/>
+              <a:rPr lang="en-US" sz="1400" dirty="0"/>
               <a:t>(KWF Water Quality Coordinator)</a:t>
             </a:r>
-            <a:endParaRPr lang="en-US" sz="1400" dirty="0"/>
           </a:p>
         </p:txBody>
       </p:sp>
@@ -3293,7 +3268,7 @@
         </p:nvSpPr>
         <p:spPr>
           <a:xfrm>
-            <a:off x="3237719" y="1887892"/>
+            <a:off x="3420599" y="1887892"/>
             <a:ext cx="1240972" cy="307778"/>
           </a:xfrm>
           <a:prstGeom prst="rect">
@@ -3312,7 +3287,7 @@
           <a:p>
             <a:pPr algn="ctr"/>
             <a:r>
-              <a:rPr lang="en-US" sz="1400" dirty="0" smtClean="0"/>
+              <a:rPr lang="en-US" sz="1400" dirty="0"/>
               <a:t>SGS Engage</a:t>
             </a:r>
           </a:p>
@@ -3326,7 +3301,7 @@
         </p:nvSpPr>
         <p:spPr>
           <a:xfrm>
-            <a:off x="3356586" y="2645697"/>
+            <a:off x="3539466" y="2645697"/>
             <a:ext cx="839756" cy="307777"/>
           </a:xfrm>
           <a:prstGeom prst="rect">
@@ -3345,7 +3320,7 @@
           <a:p>
             <a:pPr algn="ctr"/>
             <a:r>
-              <a:rPr lang="en-US" sz="1400" dirty="0" smtClean="0"/>
+              <a:rPr lang="en-US" sz="1400" dirty="0"/>
               <a:t>Email</a:t>
             </a:r>
           </a:p>
@@ -3359,7 +3334,7 @@
         </p:nvCxnSpPr>
         <p:spPr>
           <a:xfrm flipV="1">
-            <a:off x="2796211" y="2041780"/>
+            <a:off x="2979091" y="2041780"/>
             <a:ext cx="593766" cy="2"/>
           </a:xfrm>
           <a:prstGeom prst="straightConnector1">
@@ -3392,7 +3367,7 @@
         </p:nvCxnSpPr>
         <p:spPr>
           <a:xfrm flipV="1">
-            <a:off x="2740228" y="2881314"/>
+            <a:off x="2923108" y="2881314"/>
             <a:ext cx="593767" cy="226049"/>
           </a:xfrm>
           <a:prstGeom prst="straightConnector1">
@@ -3425,7 +3400,7 @@
         </p:nvCxnSpPr>
         <p:spPr>
           <a:xfrm>
-            <a:off x="2740228" y="2574570"/>
+            <a:off x="2923108" y="2574570"/>
             <a:ext cx="593767" cy="189452"/>
           </a:xfrm>
           <a:prstGeom prst="straightConnector1">
@@ -3460,7 +3435,7 @@
         </p:nvCxnSpPr>
         <p:spPr>
           <a:xfrm>
-            <a:off x="4478691" y="2041781"/>
+            <a:off x="4661571" y="2041781"/>
             <a:ext cx="1008445" cy="1142509"/>
           </a:xfrm>
           <a:prstGeom prst="bentConnector2">
@@ -3496,7 +3471,7 @@
         </p:nvCxnSpPr>
         <p:spPr>
           <a:xfrm>
-            <a:off x="4196342" y="2799586"/>
+            <a:off x="4379222" y="2799586"/>
             <a:ext cx="1299387" cy="988620"/>
           </a:xfrm>
           <a:prstGeom prst="bentConnector2">
@@ -3529,7 +3504,7 @@
         </p:nvSpPr>
         <p:spPr>
           <a:xfrm>
-            <a:off x="3213905" y="3788206"/>
+            <a:off x="3396785" y="3788206"/>
             <a:ext cx="889088" cy="523220"/>
           </a:xfrm>
           <a:prstGeom prst="rect">
@@ -3552,10 +3527,9 @@
           <a:p>
             <a:pPr algn="ctr"/>
             <a:r>
-              <a:rPr lang="en-US" sz="1400" dirty="0" smtClean="0"/>
+              <a:rPr lang="en-US" sz="1400" dirty="0"/>
               <a:t>KWF Server</a:t>
             </a:r>
-            <a:endParaRPr lang="en-US" sz="1400" dirty="0"/>
           </a:p>
         </p:txBody>
       </p:sp>
@@ -3567,7 +3541,7 @@
         </p:nvSpPr>
         <p:spPr>
           <a:xfrm>
-            <a:off x="463854" y="3708725"/>
+            <a:off x="646734" y="3708725"/>
             <a:ext cx="1088778" cy="954107"/>
           </a:xfrm>
           <a:prstGeom prst="rect">
@@ -3590,14 +3564,9 @@
           <a:p>
             <a:pPr algn="ctr"/>
             <a:r>
-              <a:rPr lang="en-US" sz="1400" dirty="0" smtClean="0"/>
-              <a:t>KWF </a:t>
-            </a:r>
-            <a:r>
-              <a:rPr lang="en-US" sz="1400" dirty="0" smtClean="0"/>
-              <a:t>Website (Preliminary Raw Data)</a:t>
-            </a:r>
-            <a:endParaRPr lang="en-US" sz="1400" dirty="0"/>
+              <a:rPr lang="en-US" sz="1400" dirty="0"/>
+              <a:t>KWF Website (Preliminary Raw Data)</a:t>
+            </a:r>
           </a:p>
         </p:txBody>
       </p:sp>
@@ -3611,7 +3580,7 @@
         </p:nvCxnSpPr>
         <p:spPr>
           <a:xfrm flipH="1">
-            <a:off x="4124311" y="4045770"/>
+            <a:off x="4307191" y="4045770"/>
             <a:ext cx="426368" cy="4046"/>
           </a:xfrm>
           <a:prstGeom prst="straightConnector1">
@@ -3644,7 +3613,7 @@
         </p:nvCxnSpPr>
         <p:spPr>
           <a:xfrm flipH="1">
-            <a:off x="2874678" y="4039194"/>
+            <a:off x="3057558" y="4039194"/>
             <a:ext cx="310067" cy="76388"/>
           </a:xfrm>
           <a:prstGeom prst="straightConnector1">
@@ -3677,7 +3646,7 @@
         </p:nvCxnSpPr>
         <p:spPr>
           <a:xfrm>
-            <a:off x="3658449" y="4312756"/>
+            <a:off x="3841329" y="4312756"/>
             <a:ext cx="0" cy="850826"/>
           </a:xfrm>
           <a:prstGeom prst="straightConnector1">
@@ -3710,7 +3679,7 @@
         </p:nvSpPr>
         <p:spPr>
           <a:xfrm>
-            <a:off x="2041206" y="5225840"/>
+            <a:off x="2224086" y="5225840"/>
             <a:ext cx="2530791" cy="523220"/>
           </a:xfrm>
           <a:prstGeom prst="rect">
@@ -3733,18 +3702,17 @@
           <a:p>
             <a:pPr algn="ctr"/>
             <a:r>
-              <a:rPr lang="en-US" sz="1400" dirty="0" smtClean="0"/>
+              <a:rPr lang="en-US" sz="1400" dirty="0"/>
               <a:t>Data Management Platform (AWQMS or GitHub/</a:t>
             </a:r>
             <a:r>
-              <a:rPr lang="en-US" sz="1400" dirty="0" err="1" smtClean="0"/>
+              <a:rPr lang="en-US" sz="1400" dirty="0" err="1"/>
               <a:t>RStudio</a:t>
             </a:r>
             <a:r>
-              <a:rPr lang="en-US" sz="1400" dirty="0" smtClean="0"/>
+              <a:rPr lang="en-US" sz="1400" dirty="0"/>
               <a:t>)</a:t>
             </a:r>
-            <a:endParaRPr lang="en-US" sz="1400" dirty="0"/>
           </a:p>
         </p:txBody>
       </p:sp>
@@ -3756,7 +3724,7 @@
         </p:nvCxnSpPr>
         <p:spPr>
           <a:xfrm>
-            <a:off x="2888593" y="5761941"/>
+            <a:off x="3071473" y="5761941"/>
             <a:ext cx="0" cy="396915"/>
           </a:xfrm>
           <a:prstGeom prst="straightConnector1">
@@ -3789,8 +3757,8 @@
         </p:nvSpPr>
         <p:spPr>
           <a:xfrm>
-            <a:off x="1589377" y="7140094"/>
-            <a:ext cx="3064194" cy="523220"/>
+            <a:off x="1772257" y="7140094"/>
+            <a:ext cx="3064194" cy="738664"/>
           </a:xfrm>
           <a:prstGeom prst="rect">
             <a:avLst/>
@@ -3812,14 +3780,9 @@
           <a:p>
             <a:pPr algn="ctr"/>
             <a:r>
-              <a:rPr lang="en-US" sz="1400" dirty="0" smtClean="0"/>
-              <a:t>Provisional </a:t>
-            </a:r>
-            <a:r>
-              <a:rPr lang="en-US" sz="1400" dirty="0" smtClean="0"/>
-              <a:t>AWQMS and Data Export Review (DEC Project Manager)</a:t>
-            </a:r>
-            <a:endParaRPr lang="en-US" sz="1400" dirty="0" smtClean="0"/>
+              <a:rPr lang="en-US" sz="1400" dirty="0"/>
+              <a:t>Provisional AWQMS and Data Export Review (External Third Party, e.g. ADEC Water Quality Staff)</a:t>
+            </a:r>
           </a:p>
         </p:txBody>
       </p:sp>
@@ -3831,7 +3794,7 @@
         </p:nvSpPr>
         <p:spPr>
           <a:xfrm>
-            <a:off x="6349483" y="2312960"/>
+            <a:off x="6532363" y="2312960"/>
             <a:ext cx="1147665" cy="646331"/>
           </a:xfrm>
           <a:prstGeom prst="rect">
@@ -3850,10 +3813,9 @@
           <a:p>
             <a:pPr algn="ctr"/>
             <a:r>
-              <a:rPr lang="en-US" b="1" i="1" dirty="0" smtClean="0"/>
+              <a:rPr lang="en-US" b="1" i="1" dirty="0"/>
               <a:t>Pre-Database</a:t>
             </a:r>
-            <a:endParaRPr lang="en-US" b="1" i="1" dirty="0" smtClean="0"/>
           </a:p>
         </p:txBody>
       </p:sp>
@@ -3865,7 +3827,7 @@
         </p:nvSpPr>
         <p:spPr>
           <a:xfrm>
-            <a:off x="1152118" y="885429"/>
+            <a:off x="1334998" y="885429"/>
             <a:ext cx="889088" cy="307777"/>
           </a:xfrm>
           <a:prstGeom prst="rect">
@@ -3888,10 +3850,9 @@
           <a:p>
             <a:pPr algn="ctr"/>
             <a:r>
-              <a:rPr lang="en-US" sz="1400" dirty="0" smtClean="0"/>
+              <a:rPr lang="en-US" sz="1400" dirty="0"/>
               <a:t>Samples</a:t>
             </a:r>
-            <a:endParaRPr lang="en-US" sz="1400" dirty="0"/>
           </a:p>
         </p:txBody>
       </p:sp>
@@ -3903,7 +3864,7 @@
         </p:nvSpPr>
         <p:spPr>
           <a:xfrm>
-            <a:off x="613406" y="1817452"/>
+            <a:off x="796286" y="1817452"/>
             <a:ext cx="2097134" cy="1600438"/>
           </a:xfrm>
           <a:prstGeom prst="rect">
@@ -3925,7 +3886,7 @@
           <a:lstStyle/>
           <a:p>
             <a:pPr algn="ctr"/>
-            <a:endParaRPr lang="en-US" sz="1400" dirty="0" smtClean="0"/>
+            <a:endParaRPr lang="en-US" sz="1400" dirty="0"/>
           </a:p>
           <a:p>
             <a:pPr algn="ctr"/>
@@ -3933,7 +3894,7 @@
           </a:p>
           <a:p>
             <a:pPr algn="ctr"/>
-            <a:endParaRPr lang="en-US" sz="1400" dirty="0" smtClean="0"/>
+            <a:endParaRPr lang="en-US" sz="1400" dirty="0"/>
           </a:p>
           <a:p>
             <a:pPr algn="ctr"/>
@@ -3941,7 +3902,7 @@
           </a:p>
           <a:p>
             <a:pPr algn="ctr"/>
-            <a:endParaRPr lang="en-US" sz="1400" dirty="0" smtClean="0"/>
+            <a:endParaRPr lang="en-US" sz="1400" dirty="0"/>
           </a:p>
           <a:p>
             <a:pPr algn="ctr"/>
@@ -3961,7 +3922,7 @@
         </p:nvCxnSpPr>
         <p:spPr>
           <a:xfrm>
-            <a:off x="1618859" y="1306267"/>
+            <a:off x="1801739" y="1306267"/>
             <a:ext cx="0" cy="436606"/>
           </a:xfrm>
           <a:prstGeom prst="straightConnector1">
@@ -4060,7 +4021,7 @@
         </p:nvSpPr>
         <p:spPr>
           <a:xfrm>
-            <a:off x="384887" y="5111351"/>
+            <a:off x="567767" y="5111351"/>
             <a:ext cx="7112259" cy="1510108"/>
           </a:xfrm>
           <a:prstGeom prst="rect">
@@ -4110,7 +4071,7 @@
         </p:nvCxnSpPr>
         <p:spPr>
           <a:xfrm>
-            <a:off x="2912780" y="6677673"/>
+            <a:off x="3095660" y="6677673"/>
             <a:ext cx="0" cy="328029"/>
           </a:xfrm>
           <a:prstGeom prst="straightConnector1">
@@ -4143,7 +4104,7 @@
         </p:nvSpPr>
         <p:spPr>
           <a:xfrm>
-            <a:off x="6349483" y="5336824"/>
+            <a:off x="6532363" y="5336824"/>
             <a:ext cx="1147665" cy="646331"/>
           </a:xfrm>
           <a:prstGeom prst="rect">
@@ -4162,14 +4123,9 @@
           <a:p>
             <a:pPr algn="ctr"/>
             <a:r>
-              <a:rPr lang="en-US" b="1" i="1" dirty="0" smtClean="0"/>
-              <a:t>Database </a:t>
-            </a:r>
-            <a:r>
-              <a:rPr lang="en-US" b="1" i="1" dirty="0" smtClean="0"/>
-              <a:t>Prep</a:t>
-            </a:r>
-            <a:endParaRPr lang="en-US" b="1" i="1" dirty="0" smtClean="0"/>
+              <a:rPr lang="en-US" b="1" i="1" dirty="0"/>
+              <a:t>Database Prep</a:t>
+            </a:r>
           </a:p>
         </p:txBody>
       </p:sp>
@@ -4181,7 +4137,7 @@
         </p:nvSpPr>
         <p:spPr>
           <a:xfrm>
-            <a:off x="2055120" y="6246701"/>
+            <a:off x="2238000" y="6246701"/>
             <a:ext cx="2047873" cy="307777"/>
           </a:xfrm>
           <a:prstGeom prst="rect">
@@ -4204,10 +4160,9 @@
           <a:p>
             <a:pPr algn="ctr"/>
             <a:r>
-              <a:rPr lang="en-US" sz="1400" dirty="0" smtClean="0"/>
+              <a:rPr lang="en-US" sz="1400" dirty="0"/>
               <a:t>QA Review (KWF Staff)</a:t>
             </a:r>
-            <a:endParaRPr lang="en-US" sz="1400" dirty="0" smtClean="0"/>
           </a:p>
         </p:txBody>
       </p:sp>
@@ -4219,7 +4174,7 @@
         </p:nvSpPr>
         <p:spPr>
           <a:xfrm>
-            <a:off x="1695059" y="8015999"/>
+            <a:off x="1877939" y="8015999"/>
             <a:ext cx="2089291" cy="523220"/>
           </a:xfrm>
           <a:prstGeom prst="rect">
@@ -4242,14 +4197,9 @@
           <a:p>
             <a:pPr algn="ctr"/>
             <a:r>
-              <a:rPr lang="en-US" sz="1400" dirty="0" smtClean="0"/>
-              <a:t>Final</a:t>
-            </a:r>
-            <a:r>
-              <a:rPr lang="en-US" sz="1400" dirty="0" smtClean="0"/>
-              <a:t> Review (KWF Water Quality Coordinator)</a:t>
-            </a:r>
-            <a:endParaRPr lang="en-US" sz="1400" dirty="0" smtClean="0"/>
+              <a:rPr lang="en-US" sz="1400" dirty="0"/>
+              <a:t>Final Review (KWF Water Quality Coordinator)</a:t>
+            </a:r>
           </a:p>
         </p:txBody>
       </p:sp>
@@ -4261,7 +4211,7 @@
         </p:nvCxnSpPr>
         <p:spPr>
           <a:xfrm>
-            <a:off x="2934942" y="7713332"/>
+            <a:off x="3117822" y="7713332"/>
             <a:ext cx="0" cy="246453"/>
           </a:xfrm>
           <a:prstGeom prst="straightConnector1">
@@ -4294,7 +4244,7 @@
         </p:nvSpPr>
         <p:spPr>
           <a:xfrm>
-            <a:off x="4444190" y="8042423"/>
+            <a:off x="4627070" y="8042423"/>
             <a:ext cx="1666945" cy="523220"/>
           </a:xfrm>
           <a:prstGeom prst="rect">
@@ -4317,10 +4267,9 @@
           <a:p>
             <a:pPr algn="ctr"/>
             <a:r>
-              <a:rPr lang="en-US" sz="1400" dirty="0" smtClean="0"/>
+              <a:rPr lang="en-US" sz="1400" dirty="0"/>
               <a:t>EPA Water Quality Exchange (WQX)</a:t>
             </a:r>
-            <a:endParaRPr lang="en-US" sz="1400" dirty="0" smtClean="0"/>
           </a:p>
         </p:txBody>
       </p:sp>
@@ -4332,7 +4281,7 @@
         </p:nvCxnSpPr>
         <p:spPr>
           <a:xfrm flipV="1">
-            <a:off x="3788364" y="8310001"/>
+            <a:off x="3971244" y="8310001"/>
             <a:ext cx="593766" cy="2"/>
           </a:xfrm>
           <a:prstGeom prst="straightConnector1">
@@ -4365,7 +4314,7 @@
         </p:nvSpPr>
         <p:spPr>
           <a:xfrm>
-            <a:off x="6349482" y="7228572"/>
+            <a:off x="6532362" y="7228572"/>
             <a:ext cx="1147665" cy="646331"/>
           </a:xfrm>
           <a:prstGeom prst="rect">
@@ -4384,14 +4333,9 @@
           <a:p>
             <a:pPr algn="ctr"/>
             <a:r>
-              <a:rPr lang="en-US" b="1" i="1" dirty="0" smtClean="0"/>
-              <a:t>Database </a:t>
-            </a:r>
-            <a:r>
-              <a:rPr lang="en-US" b="1" i="1" dirty="0" smtClean="0"/>
-              <a:t>Import</a:t>
-            </a:r>
-            <a:endParaRPr lang="en-US" b="1" i="1" dirty="0" smtClean="0"/>
+              <a:rPr lang="en-US" b="1" i="1" dirty="0"/>
+              <a:t>Database Import</a:t>
+            </a:r>
           </a:p>
         </p:txBody>
       </p:sp>
@@ -4404,7 +4348,7 @@
         <p:spPr>
           <a:xfrm>
             <a:off x="335902" y="24726"/>
-            <a:ext cx="6699380" cy="553998"/>
+            <a:ext cx="7158278" cy="707886"/>
           </a:xfrm>
           <a:prstGeom prst="rect">
             <a:avLst/>
@@ -4422,10 +4366,16 @@
           <a:p>
             <a:pPr algn="ctr"/>
             <a:r>
-              <a:rPr lang="en-US" sz="3000" b="1" dirty="0" smtClean="0"/>
-              <a:t>KWF Baseline Water Quality Project</a:t>
-            </a:r>
-            <a:endParaRPr lang="en-US" sz="3000" b="1" dirty="0" smtClean="0"/>
+              <a:rPr lang="en-US" sz="2000" b="1" dirty="0"/>
+              <a:t>Kenai Watershed Forum Agency Baseline Water Quality Project</a:t>
+            </a:r>
+          </a:p>
+          <a:p>
+            <a:pPr algn="ctr"/>
+            <a:r>
+              <a:rPr lang="en-US" sz="2000" b="1" dirty="0"/>
+              <a:t>Data Management Flowchart</a:t>
+            </a:r>
           </a:p>
         </p:txBody>
       </p:sp>
@@ -4437,7 +4387,7 @@
         </p:nvSpPr>
         <p:spPr>
           <a:xfrm>
-            <a:off x="1907123" y="3874053"/>
+            <a:off x="2090003" y="3874053"/>
             <a:ext cx="889088" cy="523220"/>
           </a:xfrm>
           <a:prstGeom prst="rect">
@@ -4460,10 +4410,9 @@
           <a:p>
             <a:pPr algn="ctr"/>
             <a:r>
-              <a:rPr lang="en-US" sz="1400" dirty="0" smtClean="0"/>
+              <a:rPr lang="en-US" sz="1400" dirty="0"/>
               <a:t>Raw Data Review</a:t>
             </a:r>
-            <a:endParaRPr lang="en-US" sz="1400" dirty="0"/>
           </a:p>
         </p:txBody>
       </p:sp>
@@ -4475,7 +4424,7 @@
         </p:nvCxnSpPr>
         <p:spPr>
           <a:xfrm flipH="1">
-            <a:off x="1659313" y="4161590"/>
+            <a:off x="1842193" y="4161590"/>
             <a:ext cx="225977" cy="0"/>
           </a:xfrm>
           <a:prstGeom prst="straightConnector1">
@@ -4494,6 +4443,47 @@
           </a:fillRef>
           <a:effectRef idx="0">
             <a:schemeClr val="accent1"/>
+          </a:effectRef>
+          <a:fontRef idx="minor">
+            <a:schemeClr val="tx1"/>
+          </a:fontRef>
+        </p:style>
+      </p:cxnSp>
+      <p:cxnSp>
+        <p:nvCxnSpPr>
+          <p:cNvPr id="5" name="Straight Arrow Connector 4">
+            <a:extLst>
+              <a:ext uri="{FF2B5EF4-FFF2-40B4-BE49-F238E27FC236}">
+                <a16:creationId xmlns:a16="http://schemas.microsoft.com/office/drawing/2014/main" id="{EFE5934E-9387-4011-A15B-EC8D7492E0D7}"/>
+              </a:ext>
+            </a:extLst>
+          </p:cNvPr>
+          <p:cNvCxnSpPr>
+            <a:cxnSpLocks/>
+          </p:cNvCxnSpPr>
+          <p:nvPr/>
+        </p:nvCxnSpPr>
+        <p:spPr>
+          <a:xfrm>
+            <a:off x="320353" y="885429"/>
+            <a:ext cx="0" cy="7866704"/>
+          </a:xfrm>
+          <a:prstGeom prst="straightConnector1">
+            <a:avLst/>
+          </a:prstGeom>
+          <a:ln w="50800">
+            <a:tailEnd type="stealth" w="lg" len="lg"/>
+          </a:ln>
+        </p:spPr>
+        <p:style>
+          <a:lnRef idx="1">
+            <a:schemeClr val="dk1"/>
+          </a:lnRef>
+          <a:fillRef idx="0">
+            <a:schemeClr val="dk1"/>
+          </a:fillRef>
+          <a:effectRef idx="0">
+            <a:schemeClr val="dk1"/>
           </a:effectRef>
           <a:fontRef idx="minor">
             <a:schemeClr val="tx1"/>
@@ -4653,30 +4643,9 @@
           <a:lstStyle/>
           <a:p>
             <a:r>
-              <a:rPr lang="en-US" dirty="0" smtClean="0"/>
-              <a:t>Figure </a:t>
-            </a:r>
-            <a:r>
-              <a:rPr lang="en-US" dirty="0" smtClean="0"/>
-              <a:t>X. </a:t>
-            </a:r>
-            <a:r>
-              <a:rPr lang="en-US" dirty="0" smtClean="0"/>
-              <a:t>Data </a:t>
-            </a:r>
-            <a:r>
-              <a:rPr lang="en-US" dirty="0" smtClean="0"/>
-              <a:t>Management and Evaluation </a:t>
-            </a:r>
-            <a:r>
-              <a:rPr lang="en-US" dirty="0" smtClean="0"/>
-              <a:t>Flow </a:t>
-            </a:r>
-            <a:r>
-              <a:rPr lang="en-US" dirty="0" smtClean="0"/>
-              <a:t>Chart for non DEC-funded projects</a:t>
-            </a:r>
-            <a:endParaRPr lang="en-US" dirty="0"/>
+              <a:rPr lang="en-US" dirty="0"/>
+              <a:t>Figure X. Data Management and Evaluation Flow Chart for non DEC-funded projects</a:t>
+            </a:r>
           </a:p>
         </p:txBody>
       </p:sp>
@@ -4711,10 +4680,9 @@
           <a:p>
             <a:pPr algn="ctr"/>
             <a:r>
-              <a:rPr lang="en-US" sz="1400" dirty="0" smtClean="0"/>
+              <a:rPr lang="en-US" sz="1400" dirty="0"/>
               <a:t>Laboratories</a:t>
             </a:r>
-            <a:endParaRPr lang="en-US" sz="1400" dirty="0"/>
           </a:p>
         </p:txBody>
       </p:sp>
@@ -4749,17 +4717,16 @@
           <a:p>
             <a:pPr algn="ctr"/>
             <a:r>
-              <a:rPr lang="en-US" sz="1400" dirty="0" smtClean="0"/>
+              <a:rPr lang="en-US" sz="1400" dirty="0"/>
               <a:t>Project Manager</a:t>
             </a:r>
           </a:p>
           <a:p>
             <a:pPr algn="ctr"/>
             <a:r>
-              <a:rPr lang="en-US" sz="1400" dirty="0" smtClean="0"/>
+              <a:rPr lang="en-US" sz="1400" dirty="0"/>
               <a:t>(KWF Water Quality Coordinator)</a:t>
             </a:r>
-            <a:endParaRPr lang="en-US" sz="1400" dirty="0"/>
           </a:p>
         </p:txBody>
       </p:sp>
@@ -4829,10 +4796,9 @@
           <a:p>
             <a:pPr algn="ctr"/>
             <a:r>
-              <a:rPr lang="en-US" sz="1400" dirty="0" smtClean="0"/>
+              <a:rPr lang="en-US" sz="1400" dirty="0"/>
               <a:t>KWF Server</a:t>
             </a:r>
-            <a:endParaRPr lang="en-US" sz="1400" dirty="0"/>
           </a:p>
         </p:txBody>
       </p:sp>
@@ -4935,10 +4901,9 @@
           <a:p>
             <a:pPr algn="ctr"/>
             <a:r>
-              <a:rPr lang="en-US" sz="1400" dirty="0" smtClean="0"/>
+              <a:rPr lang="en-US" sz="1400" dirty="0"/>
               <a:t>Import File Configuration Review (DEC Project Manager)</a:t>
             </a:r>
-            <a:endParaRPr lang="en-US" sz="1400" dirty="0"/>
           </a:p>
         </p:txBody>
       </p:sp>
@@ -5006,22 +4971,9 @@
           <a:p>
             <a:pPr algn="ctr"/>
             <a:r>
-              <a:rPr lang="en-US" sz="1400" dirty="0" smtClean="0"/>
-              <a:t>Provisional AWQMS and </a:t>
-            </a:r>
-            <a:r>
-              <a:rPr lang="en-US" sz="1400" dirty="0" smtClean="0"/>
-              <a:t>Data Export Review (DEC </a:t>
-            </a:r>
-            <a:r>
-              <a:rPr lang="en-US" sz="1400" dirty="0" smtClean="0"/>
-              <a:t>Project Manager</a:t>
-            </a:r>
-            <a:r>
-              <a:rPr lang="en-US" sz="1400" dirty="0" smtClean="0"/>
-              <a:t>)</a:t>
-            </a:r>
-            <a:endParaRPr lang="en-US" sz="1400" dirty="0" smtClean="0"/>
+              <a:rPr lang="en-US" sz="1400" dirty="0"/>
+              <a:t>Provisional AWQMS and Data Export Review (DEC Project Manager)</a:t>
+            </a:r>
           </a:p>
         </p:txBody>
       </p:sp>
@@ -5052,10 +5004,9 @@
           <a:p>
             <a:pPr algn="ctr"/>
             <a:r>
-              <a:rPr lang="en-US" b="1" i="1" dirty="0" smtClean="0"/>
+              <a:rPr lang="en-US" b="1" i="1" dirty="0"/>
               <a:t>Pre-Database</a:t>
             </a:r>
-            <a:endParaRPr lang="en-US" b="1" i="1" dirty="0" smtClean="0"/>
           </a:p>
         </p:txBody>
       </p:sp>
@@ -5090,10 +5041,9 @@
           <a:p>
             <a:pPr algn="ctr"/>
             <a:r>
-              <a:rPr lang="en-US" sz="1400" dirty="0" smtClean="0"/>
+              <a:rPr lang="en-US" sz="1400" dirty="0"/>
               <a:t>Samples</a:t>
             </a:r>
-            <a:endParaRPr lang="en-US" sz="1400" dirty="0"/>
           </a:p>
         </p:txBody>
       </p:sp>
@@ -5273,14 +5223,9 @@
           <a:p>
             <a:pPr algn="ctr"/>
             <a:r>
-              <a:rPr lang="en-US" b="1" i="1" dirty="0" smtClean="0"/>
-              <a:t>Database </a:t>
-            </a:r>
-            <a:r>
-              <a:rPr lang="en-US" b="1" i="1" dirty="0" smtClean="0"/>
-              <a:t>Prep</a:t>
-            </a:r>
-            <a:endParaRPr lang="en-US" b="1" i="1" dirty="0" smtClean="0"/>
+              <a:rPr lang="en-US" b="1" i="1" dirty="0"/>
+              <a:t>Database Prep</a:t>
+            </a:r>
           </a:p>
         </p:txBody>
       </p:sp>
@@ -5315,10 +5260,9 @@
           <a:p>
             <a:pPr algn="ctr"/>
             <a:r>
-              <a:rPr lang="en-US" sz="1400" dirty="0" smtClean="0"/>
+              <a:rPr lang="en-US" sz="1400" dirty="0"/>
               <a:t>Corrected AWQMS and Data Export Review (Secondary Reviewer)</a:t>
             </a:r>
-            <a:endParaRPr lang="en-US" sz="1400" dirty="0" smtClean="0"/>
           </a:p>
         </p:txBody>
       </p:sp>
@@ -5353,14 +5297,9 @@
           <a:p>
             <a:pPr algn="ctr"/>
             <a:r>
-              <a:rPr lang="en-US" sz="1400" dirty="0" smtClean="0"/>
-              <a:t>QA Review (QA Officer</a:t>
-            </a:r>
-            <a:r>
-              <a:rPr lang="en-US" sz="1400" dirty="0" smtClean="0"/>
-              <a:t>)</a:t>
-            </a:r>
-            <a:endParaRPr lang="en-US" sz="1400" dirty="0" smtClean="0"/>
+              <a:rPr lang="en-US" sz="1400" dirty="0"/>
+              <a:t>QA Review (QA Officer)</a:t>
+            </a:r>
           </a:p>
         </p:txBody>
       </p:sp>
@@ -5428,10 +5367,9 @@
           <a:p>
             <a:pPr algn="ctr"/>
             <a:r>
-              <a:rPr lang="en-US" sz="1400" dirty="0" smtClean="0"/>
+              <a:rPr lang="en-US" sz="1400" dirty="0"/>
               <a:t>EPA Water Quality Exchange (WQX)</a:t>
             </a:r>
-            <a:endParaRPr lang="en-US" sz="1400" dirty="0" smtClean="0"/>
           </a:p>
         </p:txBody>
       </p:sp>
@@ -5495,14 +5433,9 @@
           <a:p>
             <a:pPr algn="ctr"/>
             <a:r>
-              <a:rPr lang="en-US" b="1" i="1" dirty="0" smtClean="0"/>
-              <a:t>Database </a:t>
-            </a:r>
-            <a:r>
-              <a:rPr lang="en-US" b="1" i="1" dirty="0" smtClean="0"/>
-              <a:t>Import</a:t>
-            </a:r>
-            <a:endParaRPr lang="en-US" b="1" i="1" dirty="0" smtClean="0"/>
+              <a:rPr lang="en-US" b="1" i="1" dirty="0"/>
+              <a:t>Database Import</a:t>
+            </a:r>
           </a:p>
         </p:txBody>
       </p:sp>
@@ -5533,10 +5466,9 @@
           <a:p>
             <a:pPr algn="ctr"/>
             <a:r>
-              <a:rPr lang="en-US" sz="3000" b="1" dirty="0" smtClean="0"/>
+              <a:rPr lang="en-US" sz="3000" b="1" dirty="0"/>
               <a:t>Other KWF Projects, Funded by DEC</a:t>
             </a:r>
-            <a:endParaRPr lang="en-US" sz="3000" b="1" dirty="0" smtClean="0"/>
           </a:p>
         </p:txBody>
       </p:sp>
@@ -5571,10 +5503,9 @@
           <a:p>
             <a:pPr algn="ctr"/>
             <a:r>
-              <a:rPr lang="en-US" sz="1400" dirty="0" smtClean="0"/>
+              <a:rPr lang="en-US" sz="1400" dirty="0"/>
               <a:t>Raw Data Review</a:t>
             </a:r>
-            <a:endParaRPr lang="en-US" sz="1400" dirty="0"/>
           </a:p>
         </p:txBody>
       </p:sp>
@@ -5609,10 +5540,9 @@
           <a:p>
             <a:pPr algn="ctr"/>
             <a:r>
-              <a:rPr lang="en-US" sz="1400" dirty="0" smtClean="0"/>
+              <a:rPr lang="en-US" sz="1400" dirty="0"/>
               <a:t>DEC Soldotna Office</a:t>
             </a:r>
-            <a:endParaRPr lang="en-US" sz="1400" dirty="0" smtClean="0"/>
           </a:p>
         </p:txBody>
       </p:sp>
@@ -5643,10 +5573,9 @@
           <a:p>
             <a:pPr algn="ctr"/>
             <a:r>
-              <a:rPr lang="en-US" sz="1400" dirty="0" smtClean="0"/>
+              <a:rPr lang="en-US" sz="1400" dirty="0"/>
               <a:t>Email</a:t>
             </a:r>
-            <a:endParaRPr lang="en-US" sz="1400" dirty="0"/>
           </a:p>
         </p:txBody>
       </p:sp>
@@ -5714,10 +5643,9 @@
           <a:p>
             <a:pPr algn="ctr"/>
             <a:r>
-              <a:rPr lang="en-US" sz="1400" dirty="0" smtClean="0"/>
+              <a:rPr lang="en-US" sz="1400" dirty="0"/>
               <a:t>Final Review (Data Management Lead)</a:t>
             </a:r>
-            <a:endParaRPr lang="en-US" sz="1400" dirty="0" smtClean="0"/>
           </a:p>
         </p:txBody>
       </p:sp>
